--- a/playground_mAb_DMS/1MLC_point_mutation.pptx
+++ b/playground_mAb_DMS/1MLC_point_mutation.pptx
@@ -10,6 +10,7 @@
     <p:sldId id="256" r:id="rId4"/>
     <p:sldId id="261" r:id="rId5"/>
     <p:sldId id="260" r:id="rId6"/>
+    <p:sldId id="262" r:id="rId7"/>
   </p:sldIdLst>
   <p:sldSz cx="12192000" cy="6858000"/>
   <p:notesSz cx="6858000" cy="9144000"/>
@@ -108,6 +109,11 @@
       </a:defRPr>
     </a:lvl9pPr>
   </p:defaultTextStyle>
+  <p:extLst>
+    <p:ext uri="{EFAFB233-063F-42B5-8137-9DF3F51BA10A}">
+      <p15:sldGuideLst xmlns:p15="http://schemas.microsoft.com/office/powerpoint/2012/main"/>
+    </p:ext>
+  </p:extLst>
 </p:presentation>
 </file>
 
@@ -9846,6 +9852,141 @@
     <p:extLst>
       <p:ext uri="{BB962C8B-B14F-4D97-AF65-F5344CB8AC3E}">
         <p14:creationId xmlns:p14="http://schemas.microsoft.com/office/powerpoint/2010/main" val="1554055043"/>
+      </p:ext>
+    </p:extLst>
+  </p:cSld>
+  <p:clrMapOvr>
+    <a:masterClrMapping/>
+  </p:clrMapOvr>
+</p:sld>
+</file>
+
+<file path=ppt/slides/slide6.xml><?xml version="1.0" encoding="utf-8"?>
+<p:sld xmlns:a="http://schemas.openxmlformats.org/drawingml/2006/main" xmlns:r="http://schemas.openxmlformats.org/officeDocument/2006/relationships" xmlns:p="http://schemas.openxmlformats.org/presentationml/2006/main">
+  <p:cSld>
+    <p:spTree>
+      <p:nvGrpSpPr>
+        <p:cNvPr id="1" name=""/>
+        <p:cNvGrpSpPr/>
+        <p:nvPr/>
+      </p:nvGrpSpPr>
+      <p:grpSpPr>
+        <a:xfrm>
+          <a:off x="0" y="0"/>
+          <a:ext cx="0" cy="0"/>
+          <a:chOff x="0" y="0"/>
+          <a:chExt cx="0" cy="0"/>
+        </a:xfrm>
+      </p:grpSpPr>
+      <p:sp>
+        <p:nvSpPr>
+          <p:cNvPr id="4" name="TextBox 3">
+            <a:extLst>
+              <a:ext uri="{FF2B5EF4-FFF2-40B4-BE49-F238E27FC236}">
+                <a16:creationId xmlns:a16="http://schemas.microsoft.com/office/drawing/2014/main" id="{2C37CC2E-400F-75E3-DBFA-A50A203D5A8D}"/>
+              </a:ext>
+            </a:extLst>
+          </p:cNvPr>
+          <p:cNvSpPr txBox="1"/>
+          <p:nvPr/>
+        </p:nvSpPr>
+        <p:spPr>
+          <a:xfrm>
+            <a:off x="855406" y="747252"/>
+            <a:ext cx="10076754" cy="4524315"/>
+          </a:xfrm>
+          <a:prstGeom prst="rect">
+            <a:avLst/>
+          </a:prstGeom>
+          <a:noFill/>
+        </p:spPr>
+        <p:txBody>
+          <a:bodyPr wrap="square" rtlCol="0">
+            <a:spAutoFit/>
+          </a:bodyPr>
+          <a:lstStyle/>
+          <a:p>
+            <a:r>
+              <a:rPr lang="en-GB"/>
+              <a:t>I</a:t>
+            </a:r>
+            <a:r>
+              <a:rPr lang="en-US" altLang="zh-CN"/>
+              <a:t>nstead of using z-score, I used signed log to transform the delta log likelihood data to preserve the original sign (using z-score will loss it). To make the positive value more visualizable, different weights were applied for different model plots.</a:t>
+            </a:r>
+          </a:p>
+          <a:p>
+            <a:endParaRPr lang="en-US"/>
+          </a:p>
+          <a:p>
+            <a:r>
+              <a:rPr lang="en-US"/>
+              <a:t>For ablang2 and antifold: </a:t>
+            </a:r>
+          </a:p>
+          <a:p>
+            <a:r>
+              <a:rPr lang="en-GB"/>
+              <a:t>val = np.sign(x) * np.log1p(np.abs(x))</a:t>
+            </a:r>
+          </a:p>
+          <a:p>
+            <a:r>
+              <a:rPr lang="en-GB"/>
+              <a:t>return val * 3 if x &gt; 0 else val * 0.5</a:t>
+            </a:r>
+          </a:p>
+          <a:p>
+            <a:endParaRPr lang="en-GB"/>
+          </a:p>
+          <a:p>
+            <a:r>
+              <a:rPr lang="en-GB"/>
+              <a:t>For esm1f:</a:t>
+            </a:r>
+          </a:p>
+          <a:p>
+            <a:r>
+              <a:rPr lang="en-GB"/>
+              <a:t>val = np.sign(x) * np.log1p(np.abs(x))</a:t>
+            </a:r>
+          </a:p>
+          <a:p>
+            <a:r>
+              <a:rPr lang="en-GB"/>
+              <a:t>Return val * 450 if x &gt; 0 else val * 50</a:t>
+            </a:r>
+          </a:p>
+          <a:p>
+            <a:endParaRPr lang="en-GB"/>
+          </a:p>
+          <a:p>
+            <a:r>
+              <a:rPr lang="en-GB"/>
+              <a:t>For pyrosetta:</a:t>
+            </a:r>
+          </a:p>
+          <a:p>
+            <a:r>
+              <a:rPr lang="en-GB"/>
+              <a:t>val = np.sign(x) * np.log1p(np.abs(x))</a:t>
+            </a:r>
+          </a:p>
+          <a:p>
+            <a:r>
+              <a:rPr lang="en-GB"/>
+              <a:t>Return val * 8 if x &gt; 0 else val * 0.5</a:t>
+            </a:r>
+          </a:p>
+          <a:p>
+            <a:endParaRPr lang="en-GB"/>
+          </a:p>
+        </p:txBody>
+      </p:sp>
+    </p:spTree>
+    <p:extLst>
+      <p:ext uri="{BB962C8B-B14F-4D97-AF65-F5344CB8AC3E}">
+        <p14:creationId xmlns:p14="http://schemas.microsoft.com/office/powerpoint/2010/main" val="2042746914"/>
       </p:ext>
     </p:extLst>
   </p:cSld>
